--- a/mongodb.pptx
+++ b/mongodb.pptx
@@ -11,6 +11,8 @@
     <p:sldId id="259" r:id="rId5"/>
     <p:sldId id="260" r:id="rId6"/>
     <p:sldId id="261" r:id="rId7"/>
+    <p:sldId id="262" r:id="rId8"/>
+    <p:sldId id="263" r:id="rId9"/>
   </p:sldIdLst>
   <p:sldSz cx="9144000" cy="6858000" type="screen4x3"/>
   <p:notesSz cx="6858000" cy="9144000"/>
@@ -109,6 +111,22 @@
       </a:defRPr>
     </a:lvl9pPr>
   </p:defaultTextStyle>
+  <p:extLst>
+    <p:ext uri="{EFAFB233-063F-42B5-8137-9DF3F51BA10A}">
+      <p15:sldGuideLst xmlns:p15="http://schemas.microsoft.com/office/powerpoint/2012/main">
+        <p15:guide id="1" orient="horz" pos="2160">
+          <p15:clr>
+            <a:srgbClr val="A4A3A4"/>
+          </p15:clr>
+        </p15:guide>
+        <p15:guide id="2" pos="2880">
+          <p15:clr>
+            <a:srgbClr val="A4A3A4"/>
+          </p15:clr>
+        </p15:guide>
+      </p15:sldGuideLst>
+    </p:ext>
+  </p:extLst>
 </p:presentation>
 </file>
 
@@ -150,7 +168,7 @@
           <a:lstStyle/>
           <a:p>
             <a:r>
-              <a:rPr lang="en-US" smtClean="0"/>
+              <a:rPr lang="en-US"/>
               <a:t>Click to edit Master title style</a:t>
             </a:r>
             <a:endParaRPr lang="en-IN"/>
@@ -269,7 +287,7 @@
           </a:lstStyle>
           <a:p>
             <a:r>
-              <a:rPr lang="en-US" smtClean="0"/>
+              <a:rPr lang="en-US"/>
               <a:t>Click to edit Master subtitle style</a:t>
             </a:r>
             <a:endParaRPr lang="en-IN"/>
@@ -293,7 +311,7 @@
           <a:p>
             <a:fld id="{A0D26864-77F8-4F45-BBAC-44A6F0C69EEA}" type="datetimeFigureOut">
               <a:rPr lang="en-IN" smtClean="0"/>
-              <a:t>29-04-2023</a:t>
+              <a:t>16-05-2023</a:t>
             </a:fld>
             <a:endParaRPr lang="en-IN"/>
           </a:p>
@@ -382,7 +400,7 @@
           <a:lstStyle/>
           <a:p>
             <a:r>
-              <a:rPr lang="en-US" smtClean="0"/>
+              <a:rPr lang="en-US"/>
               <a:t>Click to edit Master title style</a:t>
             </a:r>
             <a:endParaRPr lang="en-IN"/>
@@ -406,35 +424,35 @@
           <a:p>
             <a:pPr lvl="0"/>
             <a:r>
-              <a:rPr lang="en-US" smtClean="0"/>
+              <a:rPr lang="en-US"/>
               <a:t>Click to edit Master text styles</a:t>
             </a:r>
           </a:p>
           <a:p>
             <a:pPr lvl="1"/>
             <a:r>
-              <a:rPr lang="en-US" smtClean="0"/>
+              <a:rPr lang="en-US"/>
               <a:t>Second level</a:t>
             </a:r>
           </a:p>
           <a:p>
             <a:pPr lvl="2"/>
             <a:r>
-              <a:rPr lang="en-US" smtClean="0"/>
+              <a:rPr lang="en-US"/>
               <a:t>Third level</a:t>
             </a:r>
           </a:p>
           <a:p>
             <a:pPr lvl="3"/>
             <a:r>
-              <a:rPr lang="en-US" smtClean="0"/>
+              <a:rPr lang="en-US"/>
               <a:t>Fourth level</a:t>
             </a:r>
           </a:p>
           <a:p>
             <a:pPr lvl="4"/>
             <a:r>
-              <a:rPr lang="en-US" smtClean="0"/>
+              <a:rPr lang="en-US"/>
               <a:t>Fifth level</a:t>
             </a:r>
             <a:endParaRPr lang="en-IN"/>
@@ -458,7 +476,7 @@
           <a:p>
             <a:fld id="{A0D26864-77F8-4F45-BBAC-44A6F0C69EEA}" type="datetimeFigureOut">
               <a:rPr lang="en-IN" smtClean="0"/>
-              <a:t>30-04-2023</a:t>
+              <a:t>16-05-2023</a:t>
             </a:fld>
             <a:endParaRPr lang="en-IN"/>
           </a:p>
@@ -552,7 +570,7 @@
           <a:lstStyle/>
           <a:p>
             <a:r>
-              <a:rPr lang="en-US" smtClean="0"/>
+              <a:rPr lang="en-US"/>
               <a:t>Click to edit Master title style</a:t>
             </a:r>
             <a:endParaRPr lang="en-IN"/>
@@ -581,35 +599,35 @@
           <a:p>
             <a:pPr lvl="0"/>
             <a:r>
-              <a:rPr lang="en-US" smtClean="0"/>
+              <a:rPr lang="en-US"/>
               <a:t>Click to edit Master text styles</a:t>
             </a:r>
           </a:p>
           <a:p>
             <a:pPr lvl="1"/>
             <a:r>
-              <a:rPr lang="en-US" smtClean="0"/>
+              <a:rPr lang="en-US"/>
               <a:t>Second level</a:t>
             </a:r>
           </a:p>
           <a:p>
             <a:pPr lvl="2"/>
             <a:r>
-              <a:rPr lang="en-US" smtClean="0"/>
+              <a:rPr lang="en-US"/>
               <a:t>Third level</a:t>
             </a:r>
           </a:p>
           <a:p>
             <a:pPr lvl="3"/>
             <a:r>
-              <a:rPr lang="en-US" smtClean="0"/>
+              <a:rPr lang="en-US"/>
               <a:t>Fourth level</a:t>
             </a:r>
           </a:p>
           <a:p>
             <a:pPr lvl="4"/>
             <a:r>
-              <a:rPr lang="en-US" smtClean="0"/>
+              <a:rPr lang="en-US"/>
               <a:t>Fifth level</a:t>
             </a:r>
             <a:endParaRPr lang="en-IN"/>
@@ -633,7 +651,7 @@
           <a:p>
             <a:fld id="{A0D26864-77F8-4F45-BBAC-44A6F0C69EEA}" type="datetimeFigureOut">
               <a:rPr lang="en-IN" smtClean="0"/>
-              <a:t>30-04-2023</a:t>
+              <a:t>16-05-2023</a:t>
             </a:fld>
             <a:endParaRPr lang="en-IN"/>
           </a:p>
@@ -722,7 +740,7 @@
           <a:lstStyle/>
           <a:p>
             <a:r>
-              <a:rPr lang="en-US" smtClean="0"/>
+              <a:rPr lang="en-US"/>
               <a:t>Click to edit Master title style</a:t>
             </a:r>
             <a:endParaRPr lang="en-IN"/>
@@ -746,35 +764,35 @@
           <a:p>
             <a:pPr lvl="0"/>
             <a:r>
-              <a:rPr lang="en-US" smtClean="0"/>
+              <a:rPr lang="en-US"/>
               <a:t>Click to edit Master text styles</a:t>
             </a:r>
           </a:p>
           <a:p>
             <a:pPr lvl="1"/>
             <a:r>
-              <a:rPr lang="en-US" smtClean="0"/>
+              <a:rPr lang="en-US"/>
               <a:t>Second level</a:t>
             </a:r>
           </a:p>
           <a:p>
             <a:pPr lvl="2"/>
             <a:r>
-              <a:rPr lang="en-US" smtClean="0"/>
+              <a:rPr lang="en-US"/>
               <a:t>Third level</a:t>
             </a:r>
           </a:p>
           <a:p>
             <a:pPr lvl="3"/>
             <a:r>
-              <a:rPr lang="en-US" smtClean="0"/>
+              <a:rPr lang="en-US"/>
               <a:t>Fourth level</a:t>
             </a:r>
           </a:p>
           <a:p>
             <a:pPr lvl="4"/>
             <a:r>
-              <a:rPr lang="en-US" smtClean="0"/>
+              <a:rPr lang="en-US"/>
               <a:t>Fifth level</a:t>
             </a:r>
             <a:endParaRPr lang="en-IN"/>
@@ -798,7 +816,7 @@
           <a:p>
             <a:fld id="{A0D26864-77F8-4F45-BBAC-44A6F0C69EEA}" type="datetimeFigureOut">
               <a:rPr lang="en-IN" smtClean="0"/>
-              <a:t>30-04-2023</a:t>
+              <a:t>16-05-2023</a:t>
             </a:fld>
             <a:endParaRPr lang="en-IN"/>
           </a:p>
@@ -896,7 +914,7 @@
           </a:lstStyle>
           <a:p>
             <a:r>
-              <a:rPr lang="en-US" smtClean="0"/>
+              <a:rPr lang="en-US"/>
               <a:t>Click to edit Master title style</a:t>
             </a:r>
             <a:endParaRPr lang="en-IN"/>
@@ -1016,7 +1034,7 @@
           <a:p>
             <a:pPr lvl="0"/>
             <a:r>
-              <a:rPr lang="en-US" smtClean="0"/>
+              <a:rPr lang="en-US"/>
               <a:t>Click to edit Master text styles</a:t>
             </a:r>
           </a:p>
@@ -1039,7 +1057,7 @@
           <a:p>
             <a:fld id="{A0D26864-77F8-4F45-BBAC-44A6F0C69EEA}" type="datetimeFigureOut">
               <a:rPr lang="en-IN" smtClean="0"/>
-              <a:t>30-04-2023</a:t>
+              <a:t>16-05-2023</a:t>
             </a:fld>
             <a:endParaRPr lang="en-IN"/>
           </a:p>
@@ -1128,7 +1146,7 @@
           <a:lstStyle/>
           <a:p>
             <a:r>
-              <a:rPr lang="en-US" smtClean="0"/>
+              <a:rPr lang="en-US"/>
               <a:t>Click to edit Master title style</a:t>
             </a:r>
             <a:endParaRPr lang="en-IN"/>
@@ -1185,35 +1203,35 @@
           <a:p>
             <a:pPr lvl="0"/>
             <a:r>
-              <a:rPr lang="en-US" smtClean="0"/>
+              <a:rPr lang="en-US"/>
               <a:t>Click to edit Master text styles</a:t>
             </a:r>
           </a:p>
           <a:p>
             <a:pPr lvl="1"/>
             <a:r>
-              <a:rPr lang="en-US" smtClean="0"/>
+              <a:rPr lang="en-US"/>
               <a:t>Second level</a:t>
             </a:r>
           </a:p>
           <a:p>
             <a:pPr lvl="2"/>
             <a:r>
-              <a:rPr lang="en-US" smtClean="0"/>
+              <a:rPr lang="en-US"/>
               <a:t>Third level</a:t>
             </a:r>
           </a:p>
           <a:p>
             <a:pPr lvl="3"/>
             <a:r>
-              <a:rPr lang="en-US" smtClean="0"/>
+              <a:rPr lang="en-US"/>
               <a:t>Fourth level</a:t>
             </a:r>
           </a:p>
           <a:p>
             <a:pPr lvl="4"/>
             <a:r>
-              <a:rPr lang="en-US" smtClean="0"/>
+              <a:rPr lang="en-US"/>
               <a:t>Fifth level</a:t>
             </a:r>
             <a:endParaRPr lang="en-IN"/>
@@ -1270,35 +1288,35 @@
           <a:p>
             <a:pPr lvl="0"/>
             <a:r>
-              <a:rPr lang="en-US" smtClean="0"/>
+              <a:rPr lang="en-US"/>
               <a:t>Click to edit Master text styles</a:t>
             </a:r>
           </a:p>
           <a:p>
             <a:pPr lvl="1"/>
             <a:r>
-              <a:rPr lang="en-US" smtClean="0"/>
+              <a:rPr lang="en-US"/>
               <a:t>Second level</a:t>
             </a:r>
           </a:p>
           <a:p>
             <a:pPr lvl="2"/>
             <a:r>
-              <a:rPr lang="en-US" smtClean="0"/>
+              <a:rPr lang="en-US"/>
               <a:t>Third level</a:t>
             </a:r>
           </a:p>
           <a:p>
             <a:pPr lvl="3"/>
             <a:r>
-              <a:rPr lang="en-US" smtClean="0"/>
+              <a:rPr lang="en-US"/>
               <a:t>Fourth level</a:t>
             </a:r>
           </a:p>
           <a:p>
             <a:pPr lvl="4"/>
             <a:r>
-              <a:rPr lang="en-US" smtClean="0"/>
+              <a:rPr lang="en-US"/>
               <a:t>Fifth level</a:t>
             </a:r>
             <a:endParaRPr lang="en-IN"/>
@@ -1322,7 +1340,7 @@
           <a:p>
             <a:fld id="{A0D26864-77F8-4F45-BBAC-44A6F0C69EEA}" type="datetimeFigureOut">
               <a:rPr lang="en-IN" smtClean="0"/>
-              <a:t>30-04-2023</a:t>
+              <a:t>16-05-2023</a:t>
             </a:fld>
             <a:endParaRPr lang="en-IN"/>
           </a:p>
@@ -1415,7 +1433,7 @@
           </a:lstStyle>
           <a:p>
             <a:r>
-              <a:rPr lang="en-US" smtClean="0"/>
+              <a:rPr lang="en-US"/>
               <a:t>Click to edit Master title style</a:t>
             </a:r>
             <a:endParaRPr lang="en-IN"/>
@@ -1481,7 +1499,7 @@
           <a:p>
             <a:pPr lvl="0"/>
             <a:r>
-              <a:rPr lang="en-US" smtClean="0"/>
+              <a:rPr lang="en-US"/>
               <a:t>Click to edit Master text styles</a:t>
             </a:r>
           </a:p>
@@ -1537,35 +1555,35 @@
           <a:p>
             <a:pPr lvl="0"/>
             <a:r>
-              <a:rPr lang="en-US" smtClean="0"/>
+              <a:rPr lang="en-US"/>
               <a:t>Click to edit Master text styles</a:t>
             </a:r>
           </a:p>
           <a:p>
             <a:pPr lvl="1"/>
             <a:r>
-              <a:rPr lang="en-US" smtClean="0"/>
+              <a:rPr lang="en-US"/>
               <a:t>Second level</a:t>
             </a:r>
           </a:p>
           <a:p>
             <a:pPr lvl="2"/>
             <a:r>
-              <a:rPr lang="en-US" smtClean="0"/>
+              <a:rPr lang="en-US"/>
               <a:t>Third level</a:t>
             </a:r>
           </a:p>
           <a:p>
             <a:pPr lvl="3"/>
             <a:r>
-              <a:rPr lang="en-US" smtClean="0"/>
+              <a:rPr lang="en-US"/>
               <a:t>Fourth level</a:t>
             </a:r>
           </a:p>
           <a:p>
             <a:pPr lvl="4"/>
             <a:r>
-              <a:rPr lang="en-US" smtClean="0"/>
+              <a:rPr lang="en-US"/>
               <a:t>Fifth level</a:t>
             </a:r>
             <a:endParaRPr lang="en-IN"/>
@@ -1631,7 +1649,7 @@
           <a:p>
             <a:pPr lvl="0"/>
             <a:r>
-              <a:rPr lang="en-US" smtClean="0"/>
+              <a:rPr lang="en-US"/>
               <a:t>Click to edit Master text styles</a:t>
             </a:r>
           </a:p>
@@ -1687,35 +1705,35 @@
           <a:p>
             <a:pPr lvl="0"/>
             <a:r>
-              <a:rPr lang="en-US" smtClean="0"/>
+              <a:rPr lang="en-US"/>
               <a:t>Click to edit Master text styles</a:t>
             </a:r>
           </a:p>
           <a:p>
             <a:pPr lvl="1"/>
             <a:r>
-              <a:rPr lang="en-US" smtClean="0"/>
+              <a:rPr lang="en-US"/>
               <a:t>Second level</a:t>
             </a:r>
           </a:p>
           <a:p>
             <a:pPr lvl="2"/>
             <a:r>
-              <a:rPr lang="en-US" smtClean="0"/>
+              <a:rPr lang="en-US"/>
               <a:t>Third level</a:t>
             </a:r>
           </a:p>
           <a:p>
             <a:pPr lvl="3"/>
             <a:r>
-              <a:rPr lang="en-US" smtClean="0"/>
+              <a:rPr lang="en-US"/>
               <a:t>Fourth level</a:t>
             </a:r>
           </a:p>
           <a:p>
             <a:pPr lvl="4"/>
             <a:r>
-              <a:rPr lang="en-US" smtClean="0"/>
+              <a:rPr lang="en-US"/>
               <a:t>Fifth level</a:t>
             </a:r>
             <a:endParaRPr lang="en-IN"/>
@@ -1739,7 +1757,7 @@
           <a:p>
             <a:fld id="{A0D26864-77F8-4F45-BBAC-44A6F0C69EEA}" type="datetimeFigureOut">
               <a:rPr lang="en-IN" smtClean="0"/>
-              <a:t>30-04-2023</a:t>
+              <a:t>16-05-2023</a:t>
             </a:fld>
             <a:endParaRPr lang="en-IN"/>
           </a:p>
@@ -1828,7 +1846,7 @@
           <a:lstStyle/>
           <a:p>
             <a:r>
-              <a:rPr lang="en-US" smtClean="0"/>
+              <a:rPr lang="en-US"/>
               <a:t>Click to edit Master title style</a:t>
             </a:r>
             <a:endParaRPr lang="en-IN"/>
@@ -1852,7 +1870,7 @@
           <a:p>
             <a:fld id="{A0D26864-77F8-4F45-BBAC-44A6F0C69EEA}" type="datetimeFigureOut">
               <a:rPr lang="en-IN" smtClean="0"/>
-              <a:t>30-04-2023</a:t>
+              <a:t>16-05-2023</a:t>
             </a:fld>
             <a:endParaRPr lang="en-IN"/>
           </a:p>
@@ -1942,7 +1960,7 @@
           <a:p>
             <a:fld id="{A0D26864-77F8-4F45-BBAC-44A6F0C69EEA}" type="datetimeFigureOut">
               <a:rPr lang="en-IN" smtClean="0"/>
-              <a:t>30-04-2023</a:t>
+              <a:t>16-05-2023</a:t>
             </a:fld>
             <a:endParaRPr lang="en-IN"/>
           </a:p>
@@ -2040,7 +2058,7 @@
           </a:lstStyle>
           <a:p>
             <a:r>
-              <a:rPr lang="en-US" smtClean="0"/>
+              <a:rPr lang="en-US"/>
               <a:t>Click to edit Master title style</a:t>
             </a:r>
             <a:endParaRPr lang="en-IN"/>
@@ -2097,35 +2115,35 @@
           <a:p>
             <a:pPr lvl="0"/>
             <a:r>
-              <a:rPr lang="en-US" smtClean="0"/>
+              <a:rPr lang="en-US"/>
               <a:t>Click to edit Master text styles</a:t>
             </a:r>
           </a:p>
           <a:p>
             <a:pPr lvl="1"/>
             <a:r>
-              <a:rPr lang="en-US" smtClean="0"/>
+              <a:rPr lang="en-US"/>
               <a:t>Second level</a:t>
             </a:r>
           </a:p>
           <a:p>
             <a:pPr lvl="2"/>
             <a:r>
-              <a:rPr lang="en-US" smtClean="0"/>
+              <a:rPr lang="en-US"/>
               <a:t>Third level</a:t>
             </a:r>
           </a:p>
           <a:p>
             <a:pPr lvl="3"/>
             <a:r>
-              <a:rPr lang="en-US" smtClean="0"/>
+              <a:rPr lang="en-US"/>
               <a:t>Fourth level</a:t>
             </a:r>
           </a:p>
           <a:p>
             <a:pPr lvl="4"/>
             <a:r>
-              <a:rPr lang="en-US" smtClean="0"/>
+              <a:rPr lang="en-US"/>
               <a:t>Fifth level</a:t>
             </a:r>
             <a:endParaRPr lang="en-IN"/>
@@ -2191,7 +2209,7 @@
           <a:p>
             <a:pPr lvl="0"/>
             <a:r>
-              <a:rPr lang="en-US" smtClean="0"/>
+              <a:rPr lang="en-US"/>
               <a:t>Click to edit Master text styles</a:t>
             </a:r>
           </a:p>
@@ -2214,7 +2232,7 @@
           <a:p>
             <a:fld id="{A0D26864-77F8-4F45-BBAC-44A6F0C69EEA}" type="datetimeFigureOut">
               <a:rPr lang="en-IN" smtClean="0"/>
-              <a:t>30-04-2023</a:t>
+              <a:t>16-05-2023</a:t>
             </a:fld>
             <a:endParaRPr lang="en-IN"/>
           </a:p>
@@ -2312,7 +2330,7 @@
           </a:lstStyle>
           <a:p>
             <a:r>
-              <a:rPr lang="en-US" smtClean="0"/>
+              <a:rPr lang="en-US"/>
               <a:t>Click to edit Master title style</a:t>
             </a:r>
             <a:endParaRPr lang="en-IN"/>
@@ -2439,7 +2457,7 @@
           <a:p>
             <a:pPr lvl="0"/>
             <a:r>
-              <a:rPr lang="en-US" smtClean="0"/>
+              <a:rPr lang="en-US"/>
               <a:t>Click to edit Master text styles</a:t>
             </a:r>
           </a:p>
@@ -2462,7 +2480,7 @@
           <a:p>
             <a:fld id="{A0D26864-77F8-4F45-BBAC-44A6F0C69EEA}" type="datetimeFigureOut">
               <a:rPr lang="en-IN" smtClean="0"/>
-              <a:t>30-04-2023</a:t>
+              <a:t>16-05-2023</a:t>
             </a:fld>
             <a:endParaRPr lang="en-IN"/>
           </a:p>
@@ -2566,7 +2584,7 @@
           <a:lstStyle/>
           <a:p>
             <a:r>
-              <a:rPr lang="en-US" smtClean="0"/>
+              <a:rPr lang="en-US"/>
               <a:t>Click to edit Master title style</a:t>
             </a:r>
             <a:endParaRPr lang="en-IN"/>
@@ -2600,35 +2618,35 @@
           <a:p>
             <a:pPr lvl="0"/>
             <a:r>
-              <a:rPr lang="en-US" smtClean="0"/>
+              <a:rPr lang="en-US"/>
               <a:t>Click to edit Master text styles</a:t>
             </a:r>
           </a:p>
           <a:p>
             <a:pPr lvl="1"/>
             <a:r>
-              <a:rPr lang="en-US" smtClean="0"/>
+              <a:rPr lang="en-US"/>
               <a:t>Second level</a:t>
             </a:r>
           </a:p>
           <a:p>
             <a:pPr lvl="2"/>
             <a:r>
-              <a:rPr lang="en-US" smtClean="0"/>
+              <a:rPr lang="en-US"/>
               <a:t>Third level</a:t>
             </a:r>
           </a:p>
           <a:p>
             <a:pPr lvl="3"/>
             <a:r>
-              <a:rPr lang="en-US" smtClean="0"/>
+              <a:rPr lang="en-US"/>
               <a:t>Fourth level</a:t>
             </a:r>
           </a:p>
           <a:p>
             <a:pPr lvl="4"/>
             <a:r>
-              <a:rPr lang="en-US" smtClean="0"/>
+              <a:rPr lang="en-US"/>
               <a:t>Fifth level</a:t>
             </a:r>
             <a:endParaRPr lang="en-IN"/>
@@ -2670,7 +2688,7 @@
           <a:p>
             <a:fld id="{A0D26864-77F8-4F45-BBAC-44A6F0C69EEA}" type="datetimeFigureOut">
               <a:rPr lang="en-IN" smtClean="0"/>
-              <a:t>29-04-2023</a:t>
+              <a:t>16-05-2023</a:t>
             </a:fld>
             <a:endParaRPr lang="en-IN"/>
           </a:p>
@@ -3220,8 +3238,8 @@
         </p:blipFill>
         <p:spPr bwMode="auto">
           <a:xfrm>
-            <a:off x="899592" y="1196752"/>
-            <a:ext cx="6538163" cy="3674678"/>
+            <a:off x="179512" y="1196752"/>
+            <a:ext cx="8712968" cy="5184576"/>
           </a:xfrm>
           <a:prstGeom prst="rect">
             <a:avLst/>
@@ -3398,6 +3416,181 @@
         </p:spPr>
       </p:pic>
     </p:spTree>
+  </p:cSld>
+  <p:clrMapOvr>
+    <a:masterClrMapping/>
+  </p:clrMapOvr>
+</p:sld>
+</file>
+
+<file path=ppt/slides/slide7.xml><?xml version="1.0" encoding="utf-8"?>
+<p:sld xmlns:a="http://schemas.openxmlformats.org/drawingml/2006/main" xmlns:r="http://schemas.openxmlformats.org/officeDocument/2006/relationships" xmlns:p="http://schemas.openxmlformats.org/presentationml/2006/main">
+  <p:cSld>
+    <p:spTree>
+      <p:nvGrpSpPr>
+        <p:cNvPr id="1" name=""/>
+        <p:cNvGrpSpPr/>
+        <p:nvPr/>
+      </p:nvGrpSpPr>
+      <p:grpSpPr>
+        <a:xfrm>
+          <a:off x="0" y="0"/>
+          <a:ext cx="0" cy="0"/>
+          <a:chOff x="0" y="0"/>
+          <a:chExt cx="0" cy="0"/>
+        </a:xfrm>
+      </p:grpSpPr>
+      <p:sp>
+        <p:nvSpPr>
+          <p:cNvPr id="1026" name="AutoShape 2" descr="Understanding Database Sharding | DigitalOcean"/>
+          <p:cNvSpPr>
+            <a:spLocks noChangeAspect="1" noChangeArrowheads="1"/>
+          </p:cNvSpPr>
+          <p:nvPr/>
+        </p:nvSpPr>
+        <p:spPr bwMode="auto">
+          <a:xfrm>
+            <a:off x="155575" y="-144463"/>
+            <a:ext cx="304800" cy="304801"/>
+          </a:xfrm>
+          <a:prstGeom prst="rect">
+            <a:avLst/>
+          </a:prstGeom>
+          <a:noFill/>
+        </p:spPr>
+        <p:txBody>
+          <a:bodyPr vert="horz" wrap="square" lIns="91440" tIns="45720" rIns="91440" bIns="45720" numCol="1" anchor="t" anchorCtr="0" compatLnSpc="1">
+            <a:prstTxWarp prst="textNoShape">
+              <a:avLst/>
+            </a:prstTxWarp>
+          </a:bodyPr>
+          <a:lstStyle/>
+          <a:p>
+            <a:endParaRPr lang="en-IN"/>
+          </a:p>
+        </p:txBody>
+      </p:sp>
+      <p:pic>
+        <p:nvPicPr>
+          <p:cNvPr id="2" name="Picture 1" descr="Architectural assessment of NoSQL and NewSQL systems | SpringerLink">
+            <a:extLst>
+              <a:ext uri="{FF2B5EF4-FFF2-40B4-BE49-F238E27FC236}">
+                <a16:creationId xmlns:a16="http://schemas.microsoft.com/office/drawing/2014/main" id="{EC5D0E7D-4E90-C879-A267-95FC20BE9F09}"/>
+              </a:ext>
+            </a:extLst>
+          </p:cNvPr>
+          <p:cNvPicPr>
+            <a:picLocks noChangeAspect="1"/>
+          </p:cNvPicPr>
+          <p:nvPr/>
+        </p:nvPicPr>
+        <p:blipFill>
+          <a:blip r:embed="rId2" cstate="print"/>
+          <a:srcRect/>
+          <a:stretch>
+            <a:fillRect/>
+          </a:stretch>
+        </p:blipFill>
+        <p:spPr bwMode="auto">
+          <a:xfrm>
+            <a:off x="539552" y="489963"/>
+            <a:ext cx="8298488" cy="5027269"/>
+          </a:xfrm>
+          <a:prstGeom prst="rect">
+            <a:avLst/>
+          </a:prstGeom>
+          <a:noFill/>
+          <a:ln w="9525">
+            <a:noFill/>
+            <a:miter lim="800000"/>
+            <a:headEnd/>
+            <a:tailEnd/>
+          </a:ln>
+        </p:spPr>
+      </p:pic>
+    </p:spTree>
+    <p:extLst>
+      <p:ext uri="{BB962C8B-B14F-4D97-AF65-F5344CB8AC3E}">
+        <p14:creationId xmlns:p14="http://schemas.microsoft.com/office/powerpoint/2010/main" val="2338497927"/>
+      </p:ext>
+    </p:extLst>
+  </p:cSld>
+  <p:clrMapOvr>
+    <a:masterClrMapping/>
+  </p:clrMapOvr>
+</p:sld>
+</file>
+
+<file path=ppt/slides/slide8.xml><?xml version="1.0" encoding="utf-8"?>
+<p:sld xmlns:a="http://schemas.openxmlformats.org/drawingml/2006/main" xmlns:r="http://schemas.openxmlformats.org/officeDocument/2006/relationships" xmlns:p="http://schemas.openxmlformats.org/presentationml/2006/main">
+  <p:cSld>
+    <p:spTree>
+      <p:nvGrpSpPr>
+        <p:cNvPr id="1" name=""/>
+        <p:cNvGrpSpPr/>
+        <p:nvPr/>
+      </p:nvGrpSpPr>
+      <p:grpSpPr>
+        <a:xfrm>
+          <a:off x="0" y="0"/>
+          <a:ext cx="0" cy="0"/>
+          <a:chOff x="0" y="0"/>
+          <a:chExt cx="0" cy="0"/>
+        </a:xfrm>
+      </p:grpSpPr>
+      <p:pic>
+        <p:nvPicPr>
+          <p:cNvPr id="1026" name="Picture 2">
+            <a:extLst>
+              <a:ext uri="{FF2B5EF4-FFF2-40B4-BE49-F238E27FC236}">
+                <a16:creationId xmlns:a16="http://schemas.microsoft.com/office/drawing/2014/main" id="{A792ED32-BEA8-C095-FC21-C5B490CCE75B}"/>
+              </a:ext>
+            </a:extLst>
+          </p:cNvPr>
+          <p:cNvPicPr>
+            <a:picLocks noChangeAspect="1" noChangeArrowheads="1"/>
+          </p:cNvPicPr>
+          <p:nvPr/>
+        </p:nvPicPr>
+        <p:blipFill>
+          <a:blip r:embed="rId2">
+            <a:extLst>
+              <a:ext uri="{28A0092B-C50C-407E-A947-70E740481C1C}">
+                <a14:useLocalDpi xmlns:a14="http://schemas.microsoft.com/office/drawing/2010/main" val="0"/>
+              </a:ext>
+            </a:extLst>
+          </a:blip>
+          <a:srcRect/>
+          <a:stretch>
+            <a:fillRect/>
+          </a:stretch>
+        </p:blipFill>
+        <p:spPr bwMode="auto">
+          <a:xfrm>
+            <a:off x="0" y="1143000"/>
+            <a:ext cx="9144000" cy="4572000"/>
+          </a:xfrm>
+          <a:prstGeom prst="rect">
+            <a:avLst/>
+          </a:prstGeom>
+          <a:noFill/>
+          <a:extLst>
+            <a:ext uri="{909E8E84-426E-40DD-AFC4-6F175D3DCCD1}">
+              <a14:hiddenFill xmlns:a14="http://schemas.microsoft.com/office/drawing/2010/main">
+                <a:solidFill>
+                  <a:srgbClr val="FFFFFF"/>
+                </a:solidFill>
+              </a14:hiddenFill>
+            </a:ext>
+          </a:extLst>
+        </p:spPr>
+      </p:pic>
+    </p:spTree>
+    <p:extLst>
+      <p:ext uri="{BB962C8B-B14F-4D97-AF65-F5344CB8AC3E}">
+        <p14:creationId xmlns:p14="http://schemas.microsoft.com/office/powerpoint/2010/main" val="3439262409"/>
+      </p:ext>
+    </p:extLst>
   </p:cSld>
   <p:clrMapOvr>
     <a:masterClrMapping/>

--- a/mongodb.pptx
+++ b/mongodb.pptx
@@ -3540,10 +3540,10 @@
       </p:grpSpPr>
       <p:pic>
         <p:nvPicPr>
-          <p:cNvPr id="1026" name="Picture 2">
+          <p:cNvPr id="1028" name="Picture 4" descr="Aggregation in MongoDB - GeeksforGeeks">
             <a:extLst>
               <a:ext uri="{FF2B5EF4-FFF2-40B4-BE49-F238E27FC236}">
-                <a16:creationId xmlns:a16="http://schemas.microsoft.com/office/drawing/2014/main" id="{A792ED32-BEA8-C095-FC21-C5B490CCE75B}"/>
+                <a16:creationId xmlns:a16="http://schemas.microsoft.com/office/drawing/2014/main" id="{3E14A004-EF95-D1BD-0030-3302276065ED}"/>
               </a:ext>
             </a:extLst>
           </p:cNvPr>
@@ -3567,8 +3567,8 @@
         </p:blipFill>
         <p:spPr bwMode="auto">
           <a:xfrm>
-            <a:off x="0" y="1143000"/>
-            <a:ext cx="9144000" cy="4572000"/>
+            <a:off x="323528" y="116632"/>
+            <a:ext cx="8767768" cy="6336704"/>
           </a:xfrm>
           <a:prstGeom prst="rect">
             <a:avLst/>
